--- a/Java 相關/LayoutDemo.pptx
+++ b/Java 相關/LayoutDemo.pptx
@@ -109,6 +109,11 @@
       </a:defRPr>
     </a:lvl9pPr>
   </p:defaultTextStyle>
+  <p:extLst>
+    <p:ext uri="{EFAFB233-063F-42B5-8137-9DF3F51BA10A}">
+      <p15:sldGuideLst xmlns:p15="http://schemas.microsoft.com/office/powerpoint/2012/main"/>
+    </p:ext>
+  </p:extLst>
 </p:presentation>
 </file>
 
@@ -1283,7 +1288,7 @@
   <dgm:whole/>
   <dgm:extLst>
     <a:ext uri="http://schemas.microsoft.com/office/drawing/2008/diagram">
-      <dsp:dataModelExt xmlns:dsp="http://schemas.microsoft.com/office/drawing/2008/diagram" relId="rId12" minVer="http://schemas.openxmlformats.org/drawingml/2006/diagram"/>
+      <dsp:dataModelExt xmlns:dsp="http://schemas.microsoft.com/office/drawing/2008/diagram" relId="rId6" minVer="http://schemas.openxmlformats.org/drawingml/2006/diagram"/>
     </a:ext>
   </dgm:extLst>
 </dgm:dataModel>
@@ -4144,7 +4149,7 @@
           <a:p>
             <a:fld id="{5191ED57-EE31-4E60-8681-37E21383277F}" type="datetimeFigureOut">
               <a:rPr lang="zh-TW" altLang="en-US" smtClean="0"/>
-              <a:t>2023/11/15</a:t>
+              <a:t>2023/11/16</a:t>
             </a:fld>
             <a:endParaRPr lang="zh-TW" altLang="en-US"/>
           </a:p>
@@ -4456,7 +4461,7 @@
           <a:p>
             <a:fld id="{5191ED57-EE31-4E60-8681-37E21383277F}" type="datetimeFigureOut">
               <a:rPr lang="zh-TW" altLang="en-US" smtClean="0"/>
-              <a:t>2023/11/15</a:t>
+              <a:t>2023/11/16</a:t>
             </a:fld>
             <a:endParaRPr lang="zh-TW" altLang="en-US"/>
           </a:p>
@@ -4678,7 +4683,7 @@
           <a:p>
             <a:fld id="{5191ED57-EE31-4E60-8681-37E21383277F}" type="datetimeFigureOut">
               <a:rPr lang="zh-TW" altLang="en-US" smtClean="0"/>
-              <a:t>2023/11/15</a:t>
+              <a:t>2023/11/16</a:t>
             </a:fld>
             <a:endParaRPr lang="zh-TW" altLang="en-US"/>
           </a:p>
@@ -4969,7 +4974,7 @@
           <a:p>
             <a:fld id="{5191ED57-EE31-4E60-8681-37E21383277F}" type="datetimeFigureOut">
               <a:rPr lang="zh-TW" altLang="en-US" smtClean="0"/>
-              <a:t>2023/11/15</a:t>
+              <a:t>2023/11/16</a:t>
             </a:fld>
             <a:endParaRPr lang="zh-TW" altLang="en-US"/>
           </a:p>
@@ -5423,7 +5428,7 @@
           <a:p>
             <a:fld id="{5191ED57-EE31-4E60-8681-37E21383277F}" type="datetimeFigureOut">
               <a:rPr lang="zh-TW" altLang="en-US" smtClean="0"/>
-              <a:t>2023/11/15</a:t>
+              <a:t>2023/11/16</a:t>
             </a:fld>
             <a:endParaRPr lang="zh-TW" altLang="en-US"/>
           </a:p>
@@ -5999,7 +6004,7 @@
           <a:p>
             <a:fld id="{5191ED57-EE31-4E60-8681-37E21383277F}" type="datetimeFigureOut">
               <a:rPr lang="zh-TW" altLang="en-US" smtClean="0"/>
-              <a:t>2023/11/15</a:t>
+              <a:t>2023/11/16</a:t>
             </a:fld>
             <a:endParaRPr lang="zh-TW" altLang="en-US"/>
           </a:p>
@@ -6851,7 +6856,7 @@
           <a:p>
             <a:fld id="{5191ED57-EE31-4E60-8681-37E21383277F}" type="datetimeFigureOut">
               <a:rPr lang="zh-TW" altLang="en-US" smtClean="0"/>
-              <a:t>2023/11/15</a:t>
+              <a:t>2023/11/16</a:t>
             </a:fld>
             <a:endParaRPr lang="zh-TW" altLang="en-US"/>
           </a:p>
@@ -7056,7 +7061,7 @@
           <a:p>
             <a:fld id="{5191ED57-EE31-4E60-8681-37E21383277F}" type="datetimeFigureOut">
               <a:rPr lang="zh-TW" altLang="en-US" smtClean="0"/>
-              <a:t>2023/11/15</a:t>
+              <a:t>2023/11/16</a:t>
             </a:fld>
             <a:endParaRPr lang="zh-TW" altLang="en-US"/>
           </a:p>
@@ -7270,7 +7275,7 @@
           <a:p>
             <a:fld id="{5191ED57-EE31-4E60-8681-37E21383277F}" type="datetimeFigureOut">
               <a:rPr lang="zh-TW" altLang="en-US" smtClean="0"/>
-              <a:t>2023/11/15</a:t>
+              <a:t>2023/11/16</a:t>
             </a:fld>
             <a:endParaRPr lang="zh-TW" altLang="en-US"/>
           </a:p>
@@ -7475,7 +7480,7 @@
           <a:p>
             <a:fld id="{5191ED57-EE31-4E60-8681-37E21383277F}" type="datetimeFigureOut">
               <a:rPr lang="zh-TW" altLang="en-US" smtClean="0"/>
-              <a:t>2023/11/15</a:t>
+              <a:t>2023/11/16</a:t>
             </a:fld>
             <a:endParaRPr lang="zh-TW" altLang="en-US"/>
           </a:p>
@@ -7755,7 +7760,7 @@
           <a:p>
             <a:fld id="{5191ED57-EE31-4E60-8681-37E21383277F}" type="datetimeFigureOut">
               <a:rPr lang="zh-TW" altLang="en-US" smtClean="0"/>
-              <a:t>2023/11/15</a:t>
+              <a:t>2023/11/16</a:t>
             </a:fld>
             <a:endParaRPr lang="zh-TW" altLang="en-US"/>
           </a:p>
@@ -8022,7 +8027,7 @@
           <a:p>
             <a:fld id="{5191ED57-EE31-4E60-8681-37E21383277F}" type="datetimeFigureOut">
               <a:rPr lang="zh-TW" altLang="en-US" smtClean="0"/>
-              <a:t>2023/11/15</a:t>
+              <a:t>2023/11/16</a:t>
             </a:fld>
             <a:endParaRPr lang="zh-TW" altLang="en-US"/>
           </a:p>
@@ -8437,7 +8442,7 @@
           <a:p>
             <a:fld id="{5191ED57-EE31-4E60-8681-37E21383277F}" type="datetimeFigureOut">
               <a:rPr lang="zh-TW" altLang="en-US" smtClean="0"/>
-              <a:t>2023/11/15</a:t>
+              <a:t>2023/11/16</a:t>
             </a:fld>
             <a:endParaRPr lang="zh-TW" altLang="en-US"/>
           </a:p>
@@ -8585,7 +8590,7 @@
           <a:p>
             <a:fld id="{5191ED57-EE31-4E60-8681-37E21383277F}" type="datetimeFigureOut">
               <a:rPr lang="zh-TW" altLang="en-US" smtClean="0"/>
-              <a:t>2023/11/15</a:t>
+              <a:t>2023/11/16</a:t>
             </a:fld>
             <a:endParaRPr lang="zh-TW" altLang="en-US"/>
           </a:p>
@@ -8710,7 +8715,7 @@
           <a:p>
             <a:fld id="{5191ED57-EE31-4E60-8681-37E21383277F}" type="datetimeFigureOut">
               <a:rPr lang="zh-TW" altLang="en-US" smtClean="0"/>
-              <a:t>2023/11/15</a:t>
+              <a:t>2023/11/16</a:t>
             </a:fld>
             <a:endParaRPr lang="zh-TW" altLang="en-US"/>
           </a:p>
@@ -8989,7 +8994,7 @@
           <a:p>
             <a:fld id="{5191ED57-EE31-4E60-8681-37E21383277F}" type="datetimeFigureOut">
               <a:rPr lang="zh-TW" altLang="en-US" smtClean="0"/>
-              <a:t>2023/11/15</a:t>
+              <a:t>2023/11/16</a:t>
             </a:fld>
             <a:endParaRPr lang="zh-TW" altLang="en-US"/>
           </a:p>
@@ -9301,7 +9306,7 @@
           <a:p>
             <a:fld id="{5191ED57-EE31-4E60-8681-37E21383277F}" type="datetimeFigureOut">
               <a:rPr lang="zh-TW" altLang="en-US" smtClean="0"/>
-              <a:t>2023/11/15</a:t>
+              <a:t>2023/11/16</a:t>
             </a:fld>
             <a:endParaRPr lang="zh-TW" altLang="en-US"/>
           </a:p>
@@ -9554,7 +9559,7 @@
           <a:p>
             <a:fld id="{5191ED57-EE31-4E60-8681-37E21383277F}" type="datetimeFigureOut">
               <a:rPr lang="zh-TW" altLang="en-US" smtClean="0"/>
-              <a:t>2023/11/15</a:t>
+              <a:t>2023/11/16</a:t>
             </a:fld>
             <a:endParaRPr lang="zh-TW" altLang="en-US"/>
           </a:p>
@@ -10114,12 +10119,40 @@
           </a:p>
         </p:txBody>
       </p:sp>
+      <p:graphicFrame>
+        <p:nvGraphicFramePr>
+          <p:cNvPr id="8" name="資料庫圖表 7">
+            <a:extLst>
+              <a:ext uri="{FF2B5EF4-FFF2-40B4-BE49-F238E27FC236}">
+                <a16:creationId xmlns:a16="http://schemas.microsoft.com/office/drawing/2014/main" id="{A952C875-AB55-6B60-AE4B-805A2A98E578}"/>
+              </a:ext>
+            </a:extLst>
+          </p:cNvPr>
+          <p:cNvGraphicFramePr/>
+          <p:nvPr>
+            <p:extLst>
+              <p:ext uri="{D42A27DB-BD31-4B8C-83A1-F6EECF244321}">
+                <p14:modId xmlns:p14="http://schemas.microsoft.com/office/powerpoint/2010/main" val="4051951789"/>
+              </p:ext>
+            </p:extLst>
+          </p:nvPr>
+        </p:nvGraphicFramePr>
+        <p:xfrm>
+          <a:off x="7068661" y="2371505"/>
+          <a:ext cx="4503271" cy="3232173"/>
+        </p:xfrm>
+        <a:graphic>
+          <a:graphicData uri="http://schemas.openxmlformats.org/drawingml/2006/diagram">
+            <dgm:relIds xmlns:dgm="http://schemas.openxmlformats.org/drawingml/2006/diagram" xmlns:r="http://schemas.openxmlformats.org/officeDocument/2006/relationships" r:dm="rId2" r:lo="rId3" r:qs="rId4" r:cs="rId5"/>
+          </a:graphicData>
+        </a:graphic>
+      </p:graphicFrame>
       <p:grpSp>
         <p:nvGrpSpPr>
-          <p:cNvPr id="7" name="群組 6">
+          <p:cNvPr id="9" name="群組 8">
             <a:extLst>
               <a:ext uri="{FF2B5EF4-FFF2-40B4-BE49-F238E27FC236}">
-                <a16:creationId xmlns:a16="http://schemas.microsoft.com/office/drawing/2014/main" id="{0404AE8E-64F3-FFF8-74B3-8349F5B68809}"/>
+                <a16:creationId xmlns:a16="http://schemas.microsoft.com/office/drawing/2014/main" id="{32919631-4CE2-4F81-837A-0291B86D56B3}"/>
               </a:ext>
             </a:extLst>
           </p:cNvPr>
@@ -10128,18 +10161,445 @@
         </p:nvGrpSpPr>
         <p:grpSpPr>
           <a:xfrm>
-            <a:off x="620068" y="2920199"/>
-            <a:ext cx="5871671" cy="2458624"/>
-            <a:chOff x="2644799" y="2561611"/>
-            <a:chExt cx="6971458" cy="2803074"/>
+            <a:off x="315820" y="2726430"/>
+            <a:ext cx="6453009" cy="2522322"/>
+            <a:chOff x="251166" y="2711544"/>
+            <a:chExt cx="6453009" cy="2522322"/>
           </a:xfrm>
         </p:grpSpPr>
+        <p:grpSp>
+          <p:nvGrpSpPr>
+            <p:cNvPr id="4" name="群組 3">
+              <a:extLst>
+                <a:ext uri="{FF2B5EF4-FFF2-40B4-BE49-F238E27FC236}">
+                  <a16:creationId xmlns:a16="http://schemas.microsoft.com/office/drawing/2014/main" id="{49BACDBC-524D-4F20-982F-7499CF0482EF}"/>
+                </a:ext>
+              </a:extLst>
+            </p:cNvPr>
+            <p:cNvGrpSpPr/>
+            <p:nvPr/>
+          </p:nvGrpSpPr>
+          <p:grpSpPr>
+            <a:xfrm>
+              <a:off x="251166" y="2741316"/>
+              <a:ext cx="6453009" cy="2492550"/>
+              <a:chOff x="38730" y="2886273"/>
+              <a:chExt cx="6453009" cy="2492550"/>
+            </a:xfrm>
+          </p:grpSpPr>
+          <p:grpSp>
+            <p:nvGrpSpPr>
+              <p:cNvPr id="7" name="群組 6">
+                <a:extLst>
+                  <a:ext uri="{FF2B5EF4-FFF2-40B4-BE49-F238E27FC236}">
+                    <a16:creationId xmlns:a16="http://schemas.microsoft.com/office/drawing/2014/main" id="{0404AE8E-64F3-FFF8-74B3-8349F5B68809}"/>
+                  </a:ext>
+                </a:extLst>
+              </p:cNvPr>
+              <p:cNvGrpSpPr/>
+              <p:nvPr/>
+            </p:nvGrpSpPr>
+            <p:grpSpPr>
+              <a:xfrm>
+                <a:off x="38730" y="2886273"/>
+                <a:ext cx="6453009" cy="2492550"/>
+                <a:chOff x="1954575" y="2522932"/>
+                <a:chExt cx="7661682" cy="2841753"/>
+              </a:xfrm>
+            </p:grpSpPr>
+            <p:pic>
+              <p:nvPicPr>
+                <p:cNvPr id="1026" name="Picture 2" descr="Bootstrap 5 繁體中文文件- 六角學院· 使用全球最流行的前端開發工具Bootstrap，快速設計及自定義響應式網站，其擁有豐富的Sass  變數與mixins、響應式網格系統、大量預設元件以及強大的">
+                  <a:extLst>
+                    <a:ext uri="{FF2B5EF4-FFF2-40B4-BE49-F238E27FC236}">
+                      <a16:creationId xmlns:a16="http://schemas.microsoft.com/office/drawing/2014/main" id="{200DCC0D-C185-A154-2FB7-32563B07BA84}"/>
+                    </a:ext>
+                  </a:extLst>
+                </p:cNvPr>
+                <p:cNvPicPr>
+                  <a:picLocks noChangeAspect="1" noChangeArrowheads="1"/>
+                </p:cNvPicPr>
+                <p:nvPr/>
+              </p:nvPicPr>
+              <p:blipFill>
+                <a:blip r:embed="rId7">
+                  <a:extLst>
+                    <a:ext uri="{28A0092B-C50C-407E-A947-70E740481C1C}">
+                      <a14:useLocalDpi xmlns:a14="http://schemas.microsoft.com/office/drawing/2010/main" val="0"/>
+                    </a:ext>
+                  </a:extLst>
+                </a:blip>
+                <a:srcRect/>
+                <a:stretch>
+                  <a:fillRect/>
+                </a:stretch>
+              </p:blipFill>
+              <p:spPr bwMode="auto">
+                <a:xfrm>
+                  <a:off x="3337446" y="3872363"/>
+                  <a:ext cx="1197069" cy="1197069"/>
+                </a:xfrm>
+                <a:prstGeom prst="rect">
+                  <a:avLst/>
+                </a:prstGeom>
+                <a:noFill/>
+                <a:extLst>
+                  <a:ext uri="{909E8E84-426E-40DD-AFC4-6F175D3DCCD1}">
+                    <a14:hiddenFill xmlns:a14="http://schemas.microsoft.com/office/drawing/2010/main">
+                      <a:solidFill>
+                        <a:srgbClr val="FFFFFF"/>
+                      </a:solidFill>
+                    </a14:hiddenFill>
+                  </a:ext>
+                </a:extLst>
+              </p:spPr>
+            </p:pic>
+            <p:pic>
+              <p:nvPicPr>
+                <p:cNvPr id="1028" name="Picture 4" descr="JQuery Training - Chicago Computer Classes">
+                  <a:extLst>
+                    <a:ext uri="{FF2B5EF4-FFF2-40B4-BE49-F238E27FC236}">
+                      <a16:creationId xmlns:a16="http://schemas.microsoft.com/office/drawing/2014/main" id="{CFF618F1-456B-E548-0C51-9F717795768E}"/>
+                    </a:ext>
+                  </a:extLst>
+                </p:cNvPr>
+                <p:cNvPicPr>
+                  <a:picLocks noChangeAspect="1" noChangeArrowheads="1"/>
+                </p:cNvPicPr>
+                <p:nvPr/>
+              </p:nvPicPr>
+              <p:blipFill>
+                <a:blip r:embed="rId8">
+                  <a:extLst>
+                    <a:ext uri="{28A0092B-C50C-407E-A947-70E740481C1C}">
+                      <a14:useLocalDpi xmlns:a14="http://schemas.microsoft.com/office/drawing/2010/main" val="0"/>
+                    </a:ext>
+                  </a:extLst>
+                </a:blip>
+                <a:srcRect/>
+                <a:stretch>
+                  <a:fillRect/>
+                </a:stretch>
+              </p:blipFill>
+              <p:spPr bwMode="auto">
+                <a:xfrm>
+                  <a:off x="4729300" y="3872363"/>
+                  <a:ext cx="1197069" cy="1197069"/>
+                </a:xfrm>
+                <a:prstGeom prst="rect">
+                  <a:avLst/>
+                </a:prstGeom>
+                <a:noFill/>
+                <a:extLst>
+                  <a:ext uri="{909E8E84-426E-40DD-AFC4-6F175D3DCCD1}">
+                    <a14:hiddenFill xmlns:a14="http://schemas.microsoft.com/office/drawing/2010/main">
+                      <a:solidFill>
+                        <a:srgbClr val="FFFFFF"/>
+                      </a:solidFill>
+                    </a14:hiddenFill>
+                  </a:ext>
+                </a:extLst>
+              </p:spPr>
+            </p:pic>
+            <p:pic>
+              <p:nvPicPr>
+                <p:cNvPr id="1034" name="Picture 10" descr="Java Logo Transparent 47568 Loadtve - Jsp Servlet PNG Image | Transparent  PNG Free Download on SeekPNG">
+                  <a:extLst>
+                    <a:ext uri="{FF2B5EF4-FFF2-40B4-BE49-F238E27FC236}">
+                      <a16:creationId xmlns:a16="http://schemas.microsoft.com/office/drawing/2014/main" id="{187165F1-7440-9AA4-C321-EEA8D63F421F}"/>
+                    </a:ext>
+                  </a:extLst>
+                </p:cNvPr>
+                <p:cNvPicPr>
+                  <a:picLocks noChangeAspect="1" noChangeArrowheads="1"/>
+                </p:cNvPicPr>
+                <p:nvPr/>
+              </p:nvPicPr>
+              <p:blipFill>
+                <a:blip r:embed="rId9">
+                  <a:extLst>
+                    <a:ext uri="{28A0092B-C50C-407E-A947-70E740481C1C}">
+                      <a14:useLocalDpi xmlns:a14="http://schemas.microsoft.com/office/drawing/2010/main" val="0"/>
+                    </a:ext>
+                  </a:extLst>
+                </a:blip>
+                <a:srcRect/>
+                <a:stretch>
+                  <a:fillRect/>
+                </a:stretch>
+              </p:blipFill>
+              <p:spPr bwMode="auto">
+                <a:xfrm>
+                  <a:off x="6890006" y="2561611"/>
+                  <a:ext cx="2423552" cy="1231011"/>
+                </a:xfrm>
+                <a:prstGeom prst="rect">
+                  <a:avLst/>
+                </a:prstGeom>
+                <a:noFill/>
+                <a:extLst>
+                  <a:ext uri="{909E8E84-426E-40DD-AFC4-6F175D3DCCD1}">
+                    <a14:hiddenFill xmlns:a14="http://schemas.microsoft.com/office/drawing/2010/main">
+                      <a:solidFill>
+                        <a:srgbClr val="FFFFFF"/>
+                      </a:solidFill>
+                    </a14:hiddenFill>
+                  </a:ext>
+                </a:extLst>
+              </p:spPr>
+            </p:pic>
+            <p:pic>
+              <p:nvPicPr>
+                <p:cNvPr id="1036" name="Picture 12" descr="Apache tomcat logo - Social media &amp; Logos Icons">
+                  <a:extLst>
+                    <a:ext uri="{FF2B5EF4-FFF2-40B4-BE49-F238E27FC236}">
+                      <a16:creationId xmlns:a16="http://schemas.microsoft.com/office/drawing/2014/main" id="{8E5E0DC4-21AD-DBB9-0795-68A1DE73846D}"/>
+                    </a:ext>
+                  </a:extLst>
+                </p:cNvPr>
+                <p:cNvPicPr>
+                  <a:picLocks noChangeAspect="1" noChangeArrowheads="1"/>
+                </p:cNvPicPr>
+                <p:nvPr/>
+              </p:nvPicPr>
+              <p:blipFill>
+                <a:blip r:embed="rId10">
+                  <a:clrChange>
+                    <a:clrFrom>
+                      <a:srgbClr val="FFFFFF"/>
+                    </a:clrFrom>
+                    <a:clrTo>
+                      <a:srgbClr val="FFFFFF">
+                        <a:alpha val="0"/>
+                      </a:srgbClr>
+                    </a:clrTo>
+                  </a:clrChange>
+                  <a:extLst>
+                    <a:ext uri="{28A0092B-C50C-407E-A947-70E740481C1C}">
+                      <a14:useLocalDpi xmlns:a14="http://schemas.microsoft.com/office/drawing/2010/main" val="0"/>
+                    </a:ext>
+                  </a:extLst>
+                </a:blip>
+                <a:srcRect/>
+                <a:stretch>
+                  <a:fillRect/>
+                </a:stretch>
+              </p:blipFill>
+              <p:spPr bwMode="auto">
+                <a:xfrm>
+                  <a:off x="6587307" y="3850210"/>
+                  <a:ext cx="3028950" cy="1514475"/>
+                </a:xfrm>
+                <a:prstGeom prst="rect">
+                  <a:avLst/>
+                </a:prstGeom>
+                <a:noFill/>
+                <a:extLst>
+                  <a:ext uri="{909E8E84-426E-40DD-AFC4-6F175D3DCCD1}">
+                    <a14:hiddenFill xmlns:a14="http://schemas.microsoft.com/office/drawing/2010/main">
+                      <a:solidFill>
+                        <a:srgbClr val="FFFFFF"/>
+                      </a:solidFill>
+                    </a14:hiddenFill>
+                  </a:ext>
+                </a:extLst>
+              </p:spPr>
+            </p:pic>
+            <p:pic>
+              <p:nvPicPr>
+                <p:cNvPr id="1038" name="Picture 14" descr="HTML - Wikipedia">
+                  <a:extLst>
+                    <a:ext uri="{FF2B5EF4-FFF2-40B4-BE49-F238E27FC236}">
+                      <a16:creationId xmlns:a16="http://schemas.microsoft.com/office/drawing/2014/main" id="{EEFE4F85-18E8-A53E-8B80-32109AAA7E63}"/>
+                    </a:ext>
+                  </a:extLst>
+                </p:cNvPr>
+                <p:cNvPicPr>
+                  <a:picLocks noChangeAspect="1" noChangeArrowheads="1"/>
+                </p:cNvPicPr>
+                <p:nvPr/>
+              </p:nvPicPr>
+              <p:blipFill>
+                <a:blip r:embed="rId11">
+                  <a:extLst>
+                    <a:ext uri="{28A0092B-C50C-407E-A947-70E740481C1C}">
+                      <a14:useLocalDpi xmlns:a14="http://schemas.microsoft.com/office/drawing/2010/main" val="0"/>
+                    </a:ext>
+                  </a:extLst>
+                </a:blip>
+                <a:srcRect/>
+                <a:stretch>
+                  <a:fillRect/>
+                </a:stretch>
+              </p:blipFill>
+              <p:spPr bwMode="auto">
+                <a:xfrm>
+                  <a:off x="1954575" y="2522932"/>
+                  <a:ext cx="1197068" cy="1197068"/>
+                </a:xfrm>
+                <a:prstGeom prst="rect">
+                  <a:avLst/>
+                </a:prstGeom>
+                <a:noFill/>
+                <a:extLst>
+                  <a:ext uri="{909E8E84-426E-40DD-AFC4-6F175D3DCCD1}">
+                    <a14:hiddenFill xmlns:a14="http://schemas.microsoft.com/office/drawing/2010/main">
+                      <a:solidFill>
+                        <a:srgbClr val="FFFFFF"/>
+                      </a:solidFill>
+                    </a14:hiddenFill>
+                  </a:ext>
+                </a:extLst>
+              </p:spPr>
+            </p:pic>
+            <p:pic>
+              <p:nvPicPr>
+                <p:cNvPr id="1040" name="Picture 16" descr="CSS - 維基百科，自由嘅百科全書">
+                  <a:extLst>
+                    <a:ext uri="{FF2B5EF4-FFF2-40B4-BE49-F238E27FC236}">
+                      <a16:creationId xmlns:a16="http://schemas.microsoft.com/office/drawing/2014/main" id="{14C20332-3CEF-C42C-2B39-E5CC17E512D1}"/>
+                    </a:ext>
+                  </a:extLst>
+                </p:cNvPr>
+                <p:cNvPicPr>
+                  <a:picLocks noChangeAspect="1" noChangeArrowheads="1"/>
+                </p:cNvPicPr>
+                <p:nvPr/>
+              </p:nvPicPr>
+              <p:blipFill>
+                <a:blip r:embed="rId12">
+                  <a:extLst>
+                    <a:ext uri="{28A0092B-C50C-407E-A947-70E740481C1C}">
+                      <a14:useLocalDpi xmlns:a14="http://schemas.microsoft.com/office/drawing/2010/main" val="0"/>
+                    </a:ext>
+                  </a:extLst>
+                </a:blip>
+                <a:srcRect/>
+                <a:stretch>
+                  <a:fillRect/>
+                </a:stretch>
+              </p:blipFill>
+              <p:spPr bwMode="auto">
+                <a:xfrm>
+                  <a:off x="3344491" y="2522932"/>
+                  <a:ext cx="1197068" cy="1168916"/>
+                </a:xfrm>
+                <a:prstGeom prst="rect">
+                  <a:avLst/>
+                </a:prstGeom>
+                <a:noFill/>
+                <a:extLst>
+                  <a:ext uri="{909E8E84-426E-40DD-AFC4-6F175D3DCCD1}">
+                    <a14:hiddenFill xmlns:a14="http://schemas.microsoft.com/office/drawing/2010/main">
+                      <a:solidFill>
+                        <a:srgbClr val="FFFFFF"/>
+                      </a:solidFill>
+                    </a14:hiddenFill>
+                  </a:ext>
+                </a:extLst>
+              </p:spPr>
+            </p:pic>
+            <p:sp>
+              <p:nvSpPr>
+                <p:cNvPr id="6" name="乘號 5">
+                  <a:extLst>
+                    <a:ext uri="{FF2B5EF4-FFF2-40B4-BE49-F238E27FC236}">
+                      <a16:creationId xmlns:a16="http://schemas.microsoft.com/office/drawing/2014/main" id="{8C273D28-667C-AF79-41E5-0E30CB8994BD}"/>
+                    </a:ext>
+                  </a:extLst>
+                </p:cNvPr>
+                <p:cNvSpPr/>
+                <p:nvPr/>
+              </p:nvSpPr>
+              <p:spPr>
+                <a:xfrm>
+                  <a:off x="6099986" y="3487481"/>
+                  <a:ext cx="654424" cy="667871"/>
+                </a:xfrm>
+                <a:prstGeom prst="mathMultiply">
+                  <a:avLst/>
+                </a:prstGeom>
+              </p:spPr>
+              <p:style>
+                <a:lnRef idx="2">
+                  <a:schemeClr val="accent1">
+                    <a:shade val="15000"/>
+                  </a:schemeClr>
+                </a:lnRef>
+                <a:fillRef idx="1">
+                  <a:schemeClr val="accent1"/>
+                </a:fillRef>
+                <a:effectRef idx="0">
+                  <a:schemeClr val="accent1"/>
+                </a:effectRef>
+                <a:fontRef idx="minor">
+                  <a:schemeClr val="lt1"/>
+                </a:fontRef>
+              </p:style>
+              <p:txBody>
+                <a:bodyPr rtlCol="0" anchor="ctr"/>
+                <a:lstStyle/>
+                <a:p>
+                  <a:pPr algn="ctr"/>
+                  <a:endParaRPr lang="zh-TW" altLang="en-US"/>
+                </a:p>
+              </p:txBody>
+            </p:sp>
+          </p:grpSp>
+          <p:pic>
+            <p:nvPicPr>
+              <p:cNvPr id="3" name="Picture 2" descr="網站設計｜RWD網站｜網頁設計｜SEO全方位電商服務｜臺灣移動購物">
+                <a:extLst>
+                  <a:ext uri="{FF2B5EF4-FFF2-40B4-BE49-F238E27FC236}">
+                    <a16:creationId xmlns:a16="http://schemas.microsoft.com/office/drawing/2014/main" id="{08639A1C-3531-4174-B654-4C3A85D21921}"/>
+                  </a:ext>
+                </a:extLst>
+              </p:cNvPr>
+              <p:cNvPicPr>
+                <a:picLocks noChangeAspect="1" noChangeArrowheads="1"/>
+              </p:cNvPicPr>
+              <p:nvPr/>
+            </p:nvPicPr>
+            <p:blipFill>
+              <a:blip r:embed="rId13">
+                <a:extLst>
+                  <a:ext uri="{28A0092B-C50C-407E-A947-70E740481C1C}">
+                    <a14:useLocalDpi xmlns:a14="http://schemas.microsoft.com/office/drawing/2010/main" val="0"/>
+                  </a:ext>
+                </a:extLst>
+              </a:blip>
+              <a:srcRect/>
+              <a:stretch>
+                <a:fillRect/>
+              </a:stretch>
+            </p:blipFill>
+            <p:spPr bwMode="auto">
+              <a:xfrm>
+                <a:off x="40421" y="4085279"/>
+                <a:ext cx="1019175" cy="1019175"/>
+              </a:xfrm>
+              <a:prstGeom prst="rect">
+                <a:avLst/>
+              </a:prstGeom>
+              <a:noFill/>
+              <a:extLst>
+                <a:ext uri="{909E8E84-426E-40DD-AFC4-6F175D3DCCD1}">
+                  <a14:hiddenFill xmlns:a14="http://schemas.microsoft.com/office/drawing/2010/main">
+                    <a:solidFill>
+                      <a:srgbClr val="FFFFFF"/>
+                    </a:solidFill>
+                  </a14:hiddenFill>
+                </a:ext>
+              </a:extLst>
+            </p:spPr>
+          </p:pic>
+        </p:grpSp>
         <p:pic>
           <p:nvPicPr>
-            <p:cNvPr id="1026" name="Picture 2" descr="Bootstrap 5 繁體中文文件- 六角學院· 使用全球最流行的前端開發工具Bootstrap，快速設計及自定義響應式網站，其擁有豐富的Sass  變數與mixins、響應式網格系統、大量預設元件以及強大的">
+            <p:cNvPr id="5" name="Picture 4" descr="響應式網頁設計-敦陽數位設計公司">
               <a:extLst>
                 <a:ext uri="{FF2B5EF4-FFF2-40B4-BE49-F238E27FC236}">
-                  <a16:creationId xmlns:a16="http://schemas.microsoft.com/office/drawing/2014/main" id="{200DCC0D-C185-A154-2FB7-32563B07BA84}"/>
+                  <a16:creationId xmlns:a16="http://schemas.microsoft.com/office/drawing/2014/main" id="{08F02CEB-B794-4AFF-BA9B-458F772770DB}"/>
                 </a:ext>
               </a:extLst>
             </p:cNvPr>
@@ -10149,7 +10609,7 @@
             <p:nvPr/>
           </p:nvPicPr>
           <p:blipFill>
-            <a:blip r:embed="rId2">
+            <a:blip r:embed="rId14">
               <a:extLst>
                 <a:ext uri="{28A0092B-C50C-407E-A947-70E740481C1C}">
                   <a14:useLocalDpi xmlns:a14="http://schemas.microsoft.com/office/drawing/2010/main" val="0"/>
@@ -10163,8 +10623,8 @@
           </p:blipFill>
           <p:spPr bwMode="auto">
             <a:xfrm>
-              <a:off x="3940480" y="2595553"/>
-              <a:ext cx="1197069" cy="1197069"/>
+              <a:off x="2559095" y="2711544"/>
+              <a:ext cx="1037293" cy="1079742"/>
             </a:xfrm>
             <a:prstGeom prst="rect">
               <a:avLst/>
@@ -10181,326 +10641,7 @@
             </a:extLst>
           </p:spPr>
         </p:pic>
-        <p:pic>
-          <p:nvPicPr>
-            <p:cNvPr id="1028" name="Picture 4" descr="JQuery Training - Chicago Computer Classes">
-              <a:extLst>
-                <a:ext uri="{FF2B5EF4-FFF2-40B4-BE49-F238E27FC236}">
-                  <a16:creationId xmlns:a16="http://schemas.microsoft.com/office/drawing/2014/main" id="{CFF618F1-456B-E548-0C51-9F717795768E}"/>
-                </a:ext>
-              </a:extLst>
-            </p:cNvPr>
-            <p:cNvPicPr>
-              <a:picLocks noChangeAspect="1" noChangeArrowheads="1"/>
-            </p:cNvPicPr>
-            <p:nvPr/>
-          </p:nvPicPr>
-          <p:blipFill>
-            <a:blip r:embed="rId3">
-              <a:extLst>
-                <a:ext uri="{28A0092B-C50C-407E-A947-70E740481C1C}">
-                  <a14:useLocalDpi xmlns:a14="http://schemas.microsoft.com/office/drawing/2010/main" val="0"/>
-                </a:ext>
-              </a:extLst>
-            </a:blip>
-            <a:srcRect/>
-            <a:stretch>
-              <a:fillRect/>
-            </a:stretch>
-          </p:blipFill>
-          <p:spPr bwMode="auto">
-            <a:xfrm>
-              <a:off x="3940480" y="3907353"/>
-              <a:ext cx="1197069" cy="1197069"/>
-            </a:xfrm>
-            <a:prstGeom prst="rect">
-              <a:avLst/>
-            </a:prstGeom>
-            <a:noFill/>
-            <a:extLst>
-              <a:ext uri="{909E8E84-426E-40DD-AFC4-6F175D3DCCD1}">
-                <a14:hiddenFill xmlns:a14="http://schemas.microsoft.com/office/drawing/2010/main">
-                  <a:solidFill>
-                    <a:srgbClr val="FFFFFF"/>
-                  </a:solidFill>
-                </a14:hiddenFill>
-              </a:ext>
-            </a:extLst>
-          </p:spPr>
-        </p:pic>
-        <p:pic>
-          <p:nvPicPr>
-            <p:cNvPr id="1034" name="Picture 10" descr="Java Logo Transparent 47568 Loadtve - Jsp Servlet PNG Image | Transparent  PNG Free Download on SeekPNG">
-              <a:extLst>
-                <a:ext uri="{FF2B5EF4-FFF2-40B4-BE49-F238E27FC236}">
-                  <a16:creationId xmlns:a16="http://schemas.microsoft.com/office/drawing/2014/main" id="{187165F1-7440-9AA4-C321-EEA8D63F421F}"/>
-                </a:ext>
-              </a:extLst>
-            </p:cNvPr>
-            <p:cNvPicPr>
-              <a:picLocks noChangeAspect="1" noChangeArrowheads="1"/>
-            </p:cNvPicPr>
-            <p:nvPr/>
-          </p:nvPicPr>
-          <p:blipFill>
-            <a:blip r:embed="rId4">
-              <a:extLst>
-                <a:ext uri="{28A0092B-C50C-407E-A947-70E740481C1C}">
-                  <a14:useLocalDpi xmlns:a14="http://schemas.microsoft.com/office/drawing/2010/main" val="0"/>
-                </a:ext>
-              </a:extLst>
-            </a:blip>
-            <a:srcRect/>
-            <a:stretch>
-              <a:fillRect/>
-            </a:stretch>
-          </p:blipFill>
-          <p:spPr bwMode="auto">
-            <a:xfrm>
-              <a:off x="6890006" y="2561611"/>
-              <a:ext cx="2423552" cy="1231011"/>
-            </a:xfrm>
-            <a:prstGeom prst="rect">
-              <a:avLst/>
-            </a:prstGeom>
-            <a:noFill/>
-            <a:extLst>
-              <a:ext uri="{909E8E84-426E-40DD-AFC4-6F175D3DCCD1}">
-                <a14:hiddenFill xmlns:a14="http://schemas.microsoft.com/office/drawing/2010/main">
-                  <a:solidFill>
-                    <a:srgbClr val="FFFFFF"/>
-                  </a:solidFill>
-                </a14:hiddenFill>
-              </a:ext>
-            </a:extLst>
-          </p:spPr>
-        </p:pic>
-        <p:pic>
-          <p:nvPicPr>
-            <p:cNvPr id="1036" name="Picture 12" descr="Apache tomcat logo - Social media &amp; Logos Icons">
-              <a:extLst>
-                <a:ext uri="{FF2B5EF4-FFF2-40B4-BE49-F238E27FC236}">
-                  <a16:creationId xmlns:a16="http://schemas.microsoft.com/office/drawing/2014/main" id="{8E5E0DC4-21AD-DBB9-0795-68A1DE73846D}"/>
-                </a:ext>
-              </a:extLst>
-            </p:cNvPr>
-            <p:cNvPicPr>
-              <a:picLocks noChangeAspect="1" noChangeArrowheads="1"/>
-            </p:cNvPicPr>
-            <p:nvPr/>
-          </p:nvPicPr>
-          <p:blipFill>
-            <a:blip r:embed="rId5">
-              <a:clrChange>
-                <a:clrFrom>
-                  <a:srgbClr val="FFFFFF"/>
-                </a:clrFrom>
-                <a:clrTo>
-                  <a:srgbClr val="FFFFFF">
-                    <a:alpha val="0"/>
-                  </a:srgbClr>
-                </a:clrTo>
-              </a:clrChange>
-              <a:extLst>
-                <a:ext uri="{28A0092B-C50C-407E-A947-70E740481C1C}">
-                  <a14:useLocalDpi xmlns:a14="http://schemas.microsoft.com/office/drawing/2010/main" val="0"/>
-                </a:ext>
-              </a:extLst>
-            </a:blip>
-            <a:srcRect/>
-            <a:stretch>
-              <a:fillRect/>
-            </a:stretch>
-          </p:blipFill>
-          <p:spPr bwMode="auto">
-            <a:xfrm>
-              <a:off x="6587307" y="3850210"/>
-              <a:ext cx="3028950" cy="1514475"/>
-            </a:xfrm>
-            <a:prstGeom prst="rect">
-              <a:avLst/>
-            </a:prstGeom>
-            <a:noFill/>
-            <a:extLst>
-              <a:ext uri="{909E8E84-426E-40DD-AFC4-6F175D3DCCD1}">
-                <a14:hiddenFill xmlns:a14="http://schemas.microsoft.com/office/drawing/2010/main">
-                  <a:solidFill>
-                    <a:srgbClr val="FFFFFF"/>
-                  </a:solidFill>
-                </a14:hiddenFill>
-              </a:ext>
-            </a:extLst>
-          </p:spPr>
-        </p:pic>
-        <p:pic>
-          <p:nvPicPr>
-            <p:cNvPr id="1038" name="Picture 14" descr="HTML - Wikipedia">
-              <a:extLst>
-                <a:ext uri="{FF2B5EF4-FFF2-40B4-BE49-F238E27FC236}">
-                  <a16:creationId xmlns:a16="http://schemas.microsoft.com/office/drawing/2014/main" id="{EEFE4F85-18E8-A53E-8B80-32109AAA7E63}"/>
-                </a:ext>
-              </a:extLst>
-            </p:cNvPr>
-            <p:cNvPicPr>
-              <a:picLocks noChangeAspect="1" noChangeArrowheads="1"/>
-            </p:cNvPicPr>
-            <p:nvPr/>
-          </p:nvPicPr>
-          <p:blipFill>
-            <a:blip r:embed="rId6">
-              <a:extLst>
-                <a:ext uri="{28A0092B-C50C-407E-A947-70E740481C1C}">
-                  <a14:useLocalDpi xmlns:a14="http://schemas.microsoft.com/office/drawing/2010/main" val="0"/>
-                </a:ext>
-              </a:extLst>
-            </a:blip>
-            <a:srcRect/>
-            <a:stretch>
-              <a:fillRect/>
-            </a:stretch>
-          </p:blipFill>
-          <p:spPr bwMode="auto">
-            <a:xfrm>
-              <a:off x="2644799" y="3879617"/>
-              <a:ext cx="1197068" cy="1197068"/>
-            </a:xfrm>
-            <a:prstGeom prst="rect">
-              <a:avLst/>
-            </a:prstGeom>
-            <a:noFill/>
-            <a:extLst>
-              <a:ext uri="{909E8E84-426E-40DD-AFC4-6F175D3DCCD1}">
-                <a14:hiddenFill xmlns:a14="http://schemas.microsoft.com/office/drawing/2010/main">
-                  <a:solidFill>
-                    <a:srgbClr val="FFFFFF"/>
-                  </a:solidFill>
-                </a14:hiddenFill>
-              </a:ext>
-            </a:extLst>
-          </p:spPr>
-        </p:pic>
-        <p:pic>
-          <p:nvPicPr>
-            <p:cNvPr id="1040" name="Picture 16" descr="CSS - 維基百科，自由嘅百科全書">
-              <a:extLst>
-                <a:ext uri="{FF2B5EF4-FFF2-40B4-BE49-F238E27FC236}">
-                  <a16:creationId xmlns:a16="http://schemas.microsoft.com/office/drawing/2014/main" id="{14C20332-3CEF-C42C-2B39-E5CC17E512D1}"/>
-                </a:ext>
-              </a:extLst>
-            </p:cNvPr>
-            <p:cNvPicPr>
-              <a:picLocks noChangeAspect="1" noChangeArrowheads="1"/>
-            </p:cNvPicPr>
-            <p:nvPr/>
-          </p:nvPicPr>
-          <p:blipFill>
-            <a:blip r:embed="rId7">
-              <a:extLst>
-                <a:ext uri="{28A0092B-C50C-407E-A947-70E740481C1C}">
-                  <a14:useLocalDpi xmlns:a14="http://schemas.microsoft.com/office/drawing/2010/main" val="0"/>
-                </a:ext>
-              </a:extLst>
-            </a:blip>
-            <a:srcRect/>
-            <a:stretch>
-              <a:fillRect/>
-            </a:stretch>
-          </p:blipFill>
-          <p:spPr bwMode="auto">
-            <a:xfrm>
-              <a:off x="2644799" y="2609630"/>
-              <a:ext cx="1197068" cy="1168916"/>
-            </a:xfrm>
-            <a:prstGeom prst="rect">
-              <a:avLst/>
-            </a:prstGeom>
-            <a:noFill/>
-            <a:extLst>
-              <a:ext uri="{909E8E84-426E-40DD-AFC4-6F175D3DCCD1}">
-                <a14:hiddenFill xmlns:a14="http://schemas.microsoft.com/office/drawing/2010/main">
-                  <a:solidFill>
-                    <a:srgbClr val="FFFFFF"/>
-                  </a:solidFill>
-                </a14:hiddenFill>
-              </a:ext>
-            </a:extLst>
-          </p:spPr>
-        </p:pic>
-        <p:sp>
-          <p:nvSpPr>
-            <p:cNvPr id="6" name="乘號 5">
-              <a:extLst>
-                <a:ext uri="{FF2B5EF4-FFF2-40B4-BE49-F238E27FC236}">
-                  <a16:creationId xmlns:a16="http://schemas.microsoft.com/office/drawing/2014/main" id="{8C273D28-667C-AF79-41E5-0E30CB8994BD}"/>
-                </a:ext>
-              </a:extLst>
-            </p:cNvPr>
-            <p:cNvSpPr/>
-            <p:nvPr/>
-          </p:nvSpPr>
-          <p:spPr>
-            <a:xfrm>
-              <a:off x="5768788" y="3444610"/>
-              <a:ext cx="654424" cy="667871"/>
-            </a:xfrm>
-            <a:prstGeom prst="mathMultiply">
-              <a:avLst/>
-            </a:prstGeom>
-          </p:spPr>
-          <p:style>
-            <a:lnRef idx="2">
-              <a:schemeClr val="accent1">
-                <a:shade val="15000"/>
-              </a:schemeClr>
-            </a:lnRef>
-            <a:fillRef idx="1">
-              <a:schemeClr val="accent1"/>
-            </a:fillRef>
-            <a:effectRef idx="0">
-              <a:schemeClr val="accent1"/>
-            </a:effectRef>
-            <a:fontRef idx="minor">
-              <a:schemeClr val="lt1"/>
-            </a:fontRef>
-          </p:style>
-          <p:txBody>
-            <a:bodyPr rtlCol="0" anchor="ctr"/>
-            <a:lstStyle/>
-            <a:p>
-              <a:pPr algn="ctr"/>
-              <a:endParaRPr lang="zh-TW" altLang="en-US"/>
-            </a:p>
-          </p:txBody>
-        </p:sp>
       </p:grpSp>
-      <p:graphicFrame>
-        <p:nvGraphicFramePr>
-          <p:cNvPr id="8" name="資料庫圖表 7">
-            <a:extLst>
-              <a:ext uri="{FF2B5EF4-FFF2-40B4-BE49-F238E27FC236}">
-                <a16:creationId xmlns:a16="http://schemas.microsoft.com/office/drawing/2014/main" id="{A952C875-AB55-6B60-AE4B-805A2A98E578}"/>
-              </a:ext>
-            </a:extLst>
-          </p:cNvPr>
-          <p:cNvGraphicFramePr/>
-          <p:nvPr>
-            <p:extLst>
-              <p:ext uri="{D42A27DB-BD31-4B8C-83A1-F6EECF244321}">
-                <p14:modId xmlns:p14="http://schemas.microsoft.com/office/powerpoint/2010/main" val="4051951789"/>
-              </p:ext>
-            </p:extLst>
-          </p:nvPr>
-        </p:nvGraphicFramePr>
-        <p:xfrm>
-          <a:off x="7068661" y="2371505"/>
-          <a:ext cx="4503271" cy="3232173"/>
-        </p:xfrm>
-        <a:graphic>
-          <a:graphicData uri="http://schemas.openxmlformats.org/drawingml/2006/diagram">
-            <dgm:relIds xmlns:dgm="http://schemas.openxmlformats.org/drawingml/2006/diagram" xmlns:r="http://schemas.openxmlformats.org/officeDocument/2006/relationships" r:dm="rId8" r:lo="rId9" r:qs="rId10" r:cs="rId11"/>
-          </a:graphicData>
-        </a:graphic>
-      </p:graphicFrame>
     </p:spTree>
     <p:extLst>
       <p:ext uri="{BB962C8B-B14F-4D97-AF65-F5344CB8AC3E}">

--- a/Java 相關/LayoutDemo.pptx
+++ b/Java 相關/LayoutDemo.pptx
@@ -10,7 +10,8 @@
     <p:sldId id="257" r:id="rId4"/>
     <p:sldId id="258" r:id="rId5"/>
     <p:sldId id="259" r:id="rId6"/>
-    <p:sldId id="261" r:id="rId7"/>
+    <p:sldId id="262" r:id="rId7"/>
+    <p:sldId id="261" r:id="rId8"/>
   </p:sldIdLst>
   <p:sldSz cx="12192000" cy="6858000"/>
   <p:notesSz cx="6858000" cy="9144000"/>
@@ -4149,7 +4150,7 @@
           <a:p>
             <a:fld id="{5191ED57-EE31-4E60-8681-37E21383277F}" type="datetimeFigureOut">
               <a:rPr lang="zh-TW" altLang="en-US" smtClean="0"/>
-              <a:t>2023/11/16</a:t>
+              <a:t>2023/11/20</a:t>
             </a:fld>
             <a:endParaRPr lang="zh-TW" altLang="en-US"/>
           </a:p>
@@ -4461,7 +4462,7 @@
           <a:p>
             <a:fld id="{5191ED57-EE31-4E60-8681-37E21383277F}" type="datetimeFigureOut">
               <a:rPr lang="zh-TW" altLang="en-US" smtClean="0"/>
-              <a:t>2023/11/16</a:t>
+              <a:t>2023/11/20</a:t>
             </a:fld>
             <a:endParaRPr lang="zh-TW" altLang="en-US"/>
           </a:p>
@@ -4683,7 +4684,7 @@
           <a:p>
             <a:fld id="{5191ED57-EE31-4E60-8681-37E21383277F}" type="datetimeFigureOut">
               <a:rPr lang="zh-TW" altLang="en-US" smtClean="0"/>
-              <a:t>2023/11/16</a:t>
+              <a:t>2023/11/20</a:t>
             </a:fld>
             <a:endParaRPr lang="zh-TW" altLang="en-US"/>
           </a:p>
@@ -4974,7 +4975,7 @@
           <a:p>
             <a:fld id="{5191ED57-EE31-4E60-8681-37E21383277F}" type="datetimeFigureOut">
               <a:rPr lang="zh-TW" altLang="en-US" smtClean="0"/>
-              <a:t>2023/11/16</a:t>
+              <a:t>2023/11/20</a:t>
             </a:fld>
             <a:endParaRPr lang="zh-TW" altLang="en-US"/>
           </a:p>
@@ -5428,7 +5429,7 @@
           <a:p>
             <a:fld id="{5191ED57-EE31-4E60-8681-37E21383277F}" type="datetimeFigureOut">
               <a:rPr lang="zh-TW" altLang="en-US" smtClean="0"/>
-              <a:t>2023/11/16</a:t>
+              <a:t>2023/11/20</a:t>
             </a:fld>
             <a:endParaRPr lang="zh-TW" altLang="en-US"/>
           </a:p>
@@ -6004,7 +6005,7 @@
           <a:p>
             <a:fld id="{5191ED57-EE31-4E60-8681-37E21383277F}" type="datetimeFigureOut">
               <a:rPr lang="zh-TW" altLang="en-US" smtClean="0"/>
-              <a:t>2023/11/16</a:t>
+              <a:t>2023/11/20</a:t>
             </a:fld>
             <a:endParaRPr lang="zh-TW" altLang="en-US"/>
           </a:p>
@@ -6856,7 +6857,7 @@
           <a:p>
             <a:fld id="{5191ED57-EE31-4E60-8681-37E21383277F}" type="datetimeFigureOut">
               <a:rPr lang="zh-TW" altLang="en-US" smtClean="0"/>
-              <a:t>2023/11/16</a:t>
+              <a:t>2023/11/20</a:t>
             </a:fld>
             <a:endParaRPr lang="zh-TW" altLang="en-US"/>
           </a:p>
@@ -7061,7 +7062,7 @@
           <a:p>
             <a:fld id="{5191ED57-EE31-4E60-8681-37E21383277F}" type="datetimeFigureOut">
               <a:rPr lang="zh-TW" altLang="en-US" smtClean="0"/>
-              <a:t>2023/11/16</a:t>
+              <a:t>2023/11/20</a:t>
             </a:fld>
             <a:endParaRPr lang="zh-TW" altLang="en-US"/>
           </a:p>
@@ -7275,7 +7276,7 @@
           <a:p>
             <a:fld id="{5191ED57-EE31-4E60-8681-37E21383277F}" type="datetimeFigureOut">
               <a:rPr lang="zh-TW" altLang="en-US" smtClean="0"/>
-              <a:t>2023/11/16</a:t>
+              <a:t>2023/11/20</a:t>
             </a:fld>
             <a:endParaRPr lang="zh-TW" altLang="en-US"/>
           </a:p>
@@ -7480,7 +7481,7 @@
           <a:p>
             <a:fld id="{5191ED57-EE31-4E60-8681-37E21383277F}" type="datetimeFigureOut">
               <a:rPr lang="zh-TW" altLang="en-US" smtClean="0"/>
-              <a:t>2023/11/16</a:t>
+              <a:t>2023/11/20</a:t>
             </a:fld>
             <a:endParaRPr lang="zh-TW" altLang="en-US"/>
           </a:p>
@@ -7760,7 +7761,7 @@
           <a:p>
             <a:fld id="{5191ED57-EE31-4E60-8681-37E21383277F}" type="datetimeFigureOut">
               <a:rPr lang="zh-TW" altLang="en-US" smtClean="0"/>
-              <a:t>2023/11/16</a:t>
+              <a:t>2023/11/20</a:t>
             </a:fld>
             <a:endParaRPr lang="zh-TW" altLang="en-US"/>
           </a:p>
@@ -8027,7 +8028,7 @@
           <a:p>
             <a:fld id="{5191ED57-EE31-4E60-8681-37E21383277F}" type="datetimeFigureOut">
               <a:rPr lang="zh-TW" altLang="en-US" smtClean="0"/>
-              <a:t>2023/11/16</a:t>
+              <a:t>2023/11/20</a:t>
             </a:fld>
             <a:endParaRPr lang="zh-TW" altLang="en-US"/>
           </a:p>
@@ -8442,7 +8443,7 @@
           <a:p>
             <a:fld id="{5191ED57-EE31-4E60-8681-37E21383277F}" type="datetimeFigureOut">
               <a:rPr lang="zh-TW" altLang="en-US" smtClean="0"/>
-              <a:t>2023/11/16</a:t>
+              <a:t>2023/11/20</a:t>
             </a:fld>
             <a:endParaRPr lang="zh-TW" altLang="en-US"/>
           </a:p>
@@ -8590,7 +8591,7 @@
           <a:p>
             <a:fld id="{5191ED57-EE31-4E60-8681-37E21383277F}" type="datetimeFigureOut">
               <a:rPr lang="zh-TW" altLang="en-US" smtClean="0"/>
-              <a:t>2023/11/16</a:t>
+              <a:t>2023/11/20</a:t>
             </a:fld>
             <a:endParaRPr lang="zh-TW" altLang="en-US"/>
           </a:p>
@@ -8715,7 +8716,7 @@
           <a:p>
             <a:fld id="{5191ED57-EE31-4E60-8681-37E21383277F}" type="datetimeFigureOut">
               <a:rPr lang="zh-TW" altLang="en-US" smtClean="0"/>
-              <a:t>2023/11/16</a:t>
+              <a:t>2023/11/20</a:t>
             </a:fld>
             <a:endParaRPr lang="zh-TW" altLang="en-US"/>
           </a:p>
@@ -8994,7 +8995,7 @@
           <a:p>
             <a:fld id="{5191ED57-EE31-4E60-8681-37E21383277F}" type="datetimeFigureOut">
               <a:rPr lang="zh-TW" altLang="en-US" smtClean="0"/>
-              <a:t>2023/11/16</a:t>
+              <a:t>2023/11/20</a:t>
             </a:fld>
             <a:endParaRPr lang="zh-TW" altLang="en-US"/>
           </a:p>
@@ -9306,7 +9307,7 @@
           <a:p>
             <a:fld id="{5191ED57-EE31-4E60-8681-37E21383277F}" type="datetimeFigureOut">
               <a:rPr lang="zh-TW" altLang="en-US" smtClean="0"/>
-              <a:t>2023/11/16</a:t>
+              <a:t>2023/11/20</a:t>
             </a:fld>
             <a:endParaRPr lang="zh-TW" altLang="en-US"/>
           </a:p>
@@ -9559,7 +9560,7 @@
           <a:p>
             <a:fld id="{5191ED57-EE31-4E60-8681-37E21383277F}" type="datetimeFigureOut">
               <a:rPr lang="zh-TW" altLang="en-US" smtClean="0"/>
-              <a:t>2023/11/16</a:t>
+              <a:t>2023/11/20</a:t>
             </a:fld>
             <a:endParaRPr lang="zh-TW" altLang="en-US"/>
           </a:p>
@@ -10952,6 +10953,102 @@
           <p:cNvPr id="2" name="標題 1">
             <a:extLst>
               <a:ext uri="{FF2B5EF4-FFF2-40B4-BE49-F238E27FC236}">
+                <a16:creationId xmlns:a16="http://schemas.microsoft.com/office/drawing/2014/main" id="{9BC3F5B9-9763-0C9E-F7CC-1707CB1D6F05}"/>
+              </a:ext>
+            </a:extLst>
+          </p:cNvPr>
+          <p:cNvSpPr>
+            <a:spLocks noGrp="1"/>
+          </p:cNvSpPr>
+          <p:nvPr>
+            <p:ph type="title"/>
+          </p:nvPr>
+        </p:nvSpPr>
+        <p:spPr/>
+        <p:txBody>
+          <a:bodyPr/>
+          <a:lstStyle/>
+          <a:p>
+            <a:r>
+              <a:rPr lang="zh-TW" altLang="en-US" dirty="0"/>
+              <a:t>表單驗證 </a:t>
+            </a:r>
+            <a:r>
+              <a:rPr lang="en-US" altLang="zh-TW" dirty="0"/>
+              <a:t>+</a:t>
+            </a:r>
+            <a:r>
+              <a:rPr lang="zh-TW" altLang="en-US" dirty="0"/>
+              <a:t> 上傳檔案</a:t>
+            </a:r>
+          </a:p>
+        </p:txBody>
+      </p:sp>
+      <p:pic>
+        <p:nvPicPr>
+          <p:cNvPr id="5" name="圖片 4">
+            <a:extLst>
+              <a:ext uri="{FF2B5EF4-FFF2-40B4-BE49-F238E27FC236}">
+                <a16:creationId xmlns:a16="http://schemas.microsoft.com/office/drawing/2014/main" id="{90D59C39-9BD3-326D-7B2F-D83DA8E19AB6}"/>
+              </a:ext>
+            </a:extLst>
+          </p:cNvPr>
+          <p:cNvPicPr>
+            <a:picLocks noChangeAspect="1"/>
+          </p:cNvPicPr>
+          <p:nvPr/>
+        </p:nvPicPr>
+        <p:blipFill>
+          <a:blip r:embed="rId2"/>
+          <a:stretch>
+            <a:fillRect/>
+          </a:stretch>
+        </p:blipFill>
+        <p:spPr>
+          <a:xfrm>
+            <a:off x="1513849" y="2015645"/>
+            <a:ext cx="9429750" cy="4355599"/>
+          </a:xfrm>
+          <a:prstGeom prst="rect">
+            <a:avLst/>
+          </a:prstGeom>
+        </p:spPr>
+      </p:pic>
+    </p:spTree>
+    <p:extLst>
+      <p:ext uri="{BB962C8B-B14F-4D97-AF65-F5344CB8AC3E}">
+        <p14:creationId xmlns:p14="http://schemas.microsoft.com/office/powerpoint/2010/main" val="627539966"/>
+      </p:ext>
+    </p:extLst>
+  </p:cSld>
+  <p:clrMapOvr>
+    <a:masterClrMapping/>
+  </p:clrMapOvr>
+</p:sld>
+</file>
+
+<file path=ppt/slides/slide7.xml><?xml version="1.0" encoding="utf-8"?>
+<p:sld xmlns:a="http://schemas.openxmlformats.org/drawingml/2006/main" xmlns:r="http://schemas.openxmlformats.org/officeDocument/2006/relationships" xmlns:p="http://schemas.openxmlformats.org/presentationml/2006/main">
+  <p:cSld>
+    <p:spTree>
+      <p:nvGrpSpPr>
+        <p:cNvPr id="1" name=""/>
+        <p:cNvGrpSpPr/>
+        <p:nvPr/>
+      </p:nvGrpSpPr>
+      <p:grpSpPr>
+        <a:xfrm>
+          <a:off x="0" y="0"/>
+          <a:ext cx="0" cy="0"/>
+          <a:chOff x="0" y="0"/>
+          <a:chExt cx="0" cy="0"/>
+        </a:xfrm>
+      </p:grpSpPr>
+      <p:sp>
+        <p:nvSpPr>
+          <p:cNvPr id="2" name="標題 1">
+            <a:extLst>
+              <a:ext uri="{FF2B5EF4-FFF2-40B4-BE49-F238E27FC236}">
                 <a16:creationId xmlns:a16="http://schemas.microsoft.com/office/drawing/2014/main" id="{5E2C142A-BA03-ADF4-F865-05CBD107E2C6}"/>
               </a:ext>
             </a:extLst>
@@ -11026,6 +11123,31 @@
               <a:rPr lang="en-US" altLang="zh-TW" dirty="0"/>
               <a:t> </a:t>
             </a:r>
+          </a:p>
+          <a:p>
+            <a:r>
+              <a:rPr lang="en-US" altLang="zh-TW" dirty="0" err="1"/>
+              <a:t>FullCalendar</a:t>
+            </a:r>
+            <a:r>
+              <a:rPr lang="en-US" altLang="zh-TW" dirty="0"/>
+              <a:t>:</a:t>
+            </a:r>
+            <a:r>
+              <a:rPr lang="zh-TW" altLang="en-US" dirty="0"/>
+              <a:t> </a:t>
+            </a:r>
+            <a:r>
+              <a:rPr lang="en-US" altLang="zh-TW" dirty="0">
+                <a:hlinkClick r:id="rId4"/>
+              </a:rPr>
+              <a:t>https://fullcalendar.io/docs/getting-started</a:t>
+            </a:r>
+            <a:r>
+              <a:rPr lang="zh-TW" altLang="en-US" dirty="0"/>
+              <a:t> </a:t>
+            </a:r>
+            <a:endParaRPr lang="en-US" altLang="zh-TW" dirty="0"/>
           </a:p>
           <a:p>
             <a:endParaRPr lang="zh-TW" altLang="en-US" dirty="0"/>
